--- a/micka/Présentation1.pptx
+++ b/micka/Présentation1.pptx
@@ -110,6 +110,32 @@
     </a:lvl9pPr>
   </p:defaultTextStyle>
 </p:presentation>
+</file>
+
+<file path=ppt/commentAuthors.xml><?xml version="1.0" encoding="utf-8"?>
+<p:cmAuthorLst xmlns:a="http://schemas.openxmlformats.org/drawingml/2006/main" xmlns:r="http://schemas.openxmlformats.org/officeDocument/2006/relationships" xmlns:p="http://schemas.openxmlformats.org/presentationml/2006/main">
+  <p:cmAuthor id="1" name="mic gera" initials="mg" lastIdx="1" clrIdx="0">
+    <p:extLst>
+      <p:ext uri="{19B8F6BF-5375-455C-9EA6-DF929625EA0E}">
+        <p15:presenceInfo xmlns:p15="http://schemas.microsoft.com/office/powerpoint/2012/main" userId="b42309bac0eec0eb" providerId="Windows Live"/>
+      </p:ext>
+    </p:extLst>
+  </p:cmAuthor>
+</p:cmAuthorLst>
+</file>
+
+<file path=ppt/comments/comment1.xml><?xml version="1.0" encoding="utf-8"?>
+<p:cmLst xmlns:a="http://schemas.openxmlformats.org/drawingml/2006/main" xmlns:r="http://schemas.openxmlformats.org/officeDocument/2006/relationships" xmlns:p="http://schemas.openxmlformats.org/presentationml/2006/main">
+  <p:cm authorId="1" dt="2020-05-29T15:25:53.355" idx="1">
+    <p:pos x="4760" y="0"/>
+    <p:text/>
+    <p:extLst>
+      <p:ext uri="{C676402C-5697-4E1C-873F-D02D1690AC5C}">
+        <p15:threadingInfo xmlns:p15="http://schemas.microsoft.com/office/powerpoint/2012/main" timeZoneBias="-120"/>
+      </p:ext>
+    </p:extLst>
+  </p:cm>
+</p:cmLst>
 </file>
 
 <file path=ppt/slideLayouts/slideLayout1.xml><?xml version="1.0" encoding="utf-8"?>
@@ -3942,6 +3968,29 @@
                   <a:srgbClr val="FFFFFF"/>
                 </a:solidFill>
               </a:rPr>
+              <a:t>Data </a:t>
+            </a:r>
+            <a:r>
+              <a:rPr lang="fr-FR" sz="3600" dirty="0" err="1">
+                <a:solidFill>
+                  <a:srgbClr val="FFFFFF"/>
+                </a:solidFill>
+              </a:rPr>
+              <a:t>Analyst</a:t>
+            </a:r>
+            <a:br>
+              <a:rPr lang="fr-FR" sz="3600" dirty="0">
+                <a:solidFill>
+                  <a:srgbClr val="FFFFFF"/>
+                </a:solidFill>
+              </a:rPr>
+            </a:br>
+            <a:r>
+              <a:rPr lang="fr-FR" sz="3600" dirty="0">
+                <a:solidFill>
+                  <a:srgbClr val="FFFFFF"/>
+                </a:solidFill>
+              </a:rPr>
               <a:t>Freelance</a:t>
             </a:r>
             <a:br>
@@ -4128,8 +4177,8 @@
         </p:blipFill>
         <p:spPr>
           <a:xfrm>
-            <a:off x="16" y="10"/>
-            <a:ext cx="7556889" cy="6857990"/>
+            <a:off x="-137968" y="-8"/>
+            <a:ext cx="7694872" cy="6857990"/>
           </a:xfrm>
           <a:prstGeom prst="rect">
             <a:avLst/>
@@ -4425,35 +4474,6 @@
           <a:chExt cx="0" cy="0"/>
         </a:xfrm>
       </p:grpSpPr>
-      <p:pic>
-        <p:nvPicPr>
-          <p:cNvPr id="13" name="Picture 3">
-            <a:extLst>
-              <a:ext uri="{FF2B5EF4-FFF2-40B4-BE49-F238E27FC236}">
-                <a16:creationId xmlns:a16="http://schemas.microsoft.com/office/drawing/2014/main" id="{8842FD05-BC75-4006-BBB2-F24D4E9FD53F}"/>
-              </a:ext>
-            </a:extLst>
-          </p:cNvPr>
-          <p:cNvPicPr>
-            <a:picLocks noChangeAspect="1"/>
-          </p:cNvPicPr>
-          <p:nvPr/>
-        </p:nvPicPr>
-        <p:blipFill rotWithShape="1">
-          <a:blip r:embed="rId2"/>
-          <a:srcRect l="10250" r="27768"/>
-          <a:stretch/>
-        </p:blipFill>
-        <p:spPr>
-          <a:xfrm>
-            <a:off x="16" y="10"/>
-            <a:ext cx="7556889" cy="6857990"/>
-          </a:xfrm>
-          <a:prstGeom prst="rect">
-            <a:avLst/>
-          </a:prstGeom>
-        </p:spPr>
-      </p:pic>
       <p:sp>
         <p:nvSpPr>
           <p:cNvPr id="14" name="Rectangle 8">
@@ -4604,6 +4624,29 @@
                   <a:srgbClr val="FFFFFF"/>
                 </a:solidFill>
               </a:rPr>
+              <a:t>Data </a:t>
+            </a:r>
+            <a:r>
+              <a:rPr lang="fr-FR" sz="3600" dirty="0" err="1">
+                <a:solidFill>
+                  <a:srgbClr val="FFFFFF"/>
+                </a:solidFill>
+              </a:rPr>
+              <a:t>Analyst</a:t>
+            </a:r>
+            <a:br>
+              <a:rPr lang="fr-FR" sz="3600" dirty="0">
+                <a:solidFill>
+                  <a:srgbClr val="FFFFFF"/>
+                </a:solidFill>
+              </a:rPr>
+            </a:br>
+            <a:r>
+              <a:rPr lang="fr-FR" sz="3600" dirty="0">
+                <a:solidFill>
+                  <a:srgbClr val="FFFFFF"/>
+                </a:solidFill>
+              </a:rPr>
               <a:t>Freelance</a:t>
             </a:r>
             <a:br>
@@ -4731,6 +4774,53 @@
           </a:fontRef>
         </p:style>
       </p:cxnSp>
+      <p:pic>
+        <p:nvPicPr>
+          <p:cNvPr id="1028" name="Picture 4">
+            <a:extLst>
+              <a:ext uri="{FF2B5EF4-FFF2-40B4-BE49-F238E27FC236}">
+                <a16:creationId xmlns:a16="http://schemas.microsoft.com/office/drawing/2014/main" id="{C1FD8994-C02D-417F-8679-0279F1396182}"/>
+              </a:ext>
+            </a:extLst>
+          </p:cNvPr>
+          <p:cNvPicPr>
+            <a:picLocks noChangeAspect="1" noChangeArrowheads="1"/>
+          </p:cNvPicPr>
+          <p:nvPr/>
+        </p:nvPicPr>
+        <p:blipFill>
+          <a:blip r:embed="rId2">
+            <a:extLst>
+              <a:ext uri="{28A0092B-C50C-407E-A947-70E740481C1C}">
+                <a14:useLocalDpi xmlns:a14="http://schemas.microsoft.com/office/drawing/2010/main" val="0"/>
+              </a:ext>
+            </a:extLst>
+          </a:blip>
+          <a:srcRect/>
+          <a:stretch>
+            <a:fillRect/>
+          </a:stretch>
+        </p:blipFill>
+        <p:spPr bwMode="auto">
+          <a:xfrm>
+            <a:off x="0" y="0"/>
+            <a:ext cx="7556904" cy="6858000"/>
+          </a:xfrm>
+          <a:prstGeom prst="rect">
+            <a:avLst/>
+          </a:prstGeom>
+          <a:noFill/>
+          <a:extLst>
+            <a:ext uri="{909E8E84-426E-40DD-AFC4-6F175D3DCCD1}">
+              <a14:hiddenFill xmlns:a14="http://schemas.microsoft.com/office/drawing/2010/main">
+                <a:solidFill>
+                  <a:srgbClr val="FFFFFF"/>
+                </a:solidFill>
+              </a14:hiddenFill>
+            </a:ext>
+          </a:extLst>
+        </p:spPr>
+      </p:pic>
     </p:spTree>
     <p:extLst>
       <p:ext uri="{BB962C8B-B14F-4D97-AF65-F5344CB8AC3E}">

--- a/micka/Présentation1.pptx
+++ b/micka/Présentation1.pptx
@@ -7,10 +7,11 @@
   <p:sldIdLst>
     <p:sldId id="256" r:id="rId2"/>
     <p:sldId id="261" r:id="rId3"/>
-    <p:sldId id="262" r:id="rId4"/>
-    <p:sldId id="263" r:id="rId5"/>
+    <p:sldId id="263" r:id="rId4"/>
+    <p:sldId id="262" r:id="rId5"/>
     <p:sldId id="259" r:id="rId6"/>
-    <p:sldId id="264" r:id="rId7"/>
+    <p:sldId id="265" r:id="rId7"/>
+    <p:sldId id="264" r:id="rId8"/>
   </p:sldIdLst>
   <p:sldSz cx="12192000" cy="6858000"/>
   <p:notesSz cx="6858000" cy="9144000"/>
@@ -109,6 +110,11 @@
       </a:defRPr>
     </a:lvl9pPr>
   </p:defaultTextStyle>
+  <p:extLst>
+    <p:ext uri="{EFAFB233-063F-42B5-8137-9DF3F51BA10A}">
+      <p15:sldGuideLst xmlns:p15="http://schemas.microsoft.com/office/powerpoint/2012/main"/>
+    </p:ext>
+  </p:extLst>
 </p:presentation>
 </file>
 
@@ -382,7 +388,7 @@
           <a:p>
             <a:fld id="{9184DA70-C731-4C70-880D-CCD4705E623C}" type="datetime1">
               <a:rPr lang="en-US" smtClean="0"/>
-              <a:t>5/29/2020</a:t>
+              <a:t>5/30/2020</a:t>
             </a:fld>
             <a:endParaRPr lang="en-US" dirty="0"/>
           </a:p>
@@ -570,7 +576,7 @@
           <a:p>
             <a:fld id="{B612A279-0833-481D-8C56-F67FD0AC6C50}" type="datetime1">
               <a:rPr lang="en-US" smtClean="0"/>
-              <a:t>5/29/2020</a:t>
+              <a:t>5/30/2020</a:t>
             </a:fld>
             <a:endParaRPr lang="en-US" dirty="0"/>
           </a:p>
@@ -812,7 +818,7 @@
           <a:p>
             <a:fld id="{6587DA83-5663-4C9C-B9AA-0B40A3DAFF81}" type="datetime1">
               <a:rPr lang="en-US" smtClean="0"/>
-              <a:t>5/29/2020</a:t>
+              <a:t>5/30/2020</a:t>
             </a:fld>
             <a:endParaRPr lang="en-US" dirty="0"/>
           </a:p>
@@ -1000,7 +1006,7 @@
           <a:p>
             <a:fld id="{4BE1D723-8F53-4F53-90B0-1982A396982E}" type="datetime1">
               <a:rPr lang="en-US" smtClean="0"/>
-              <a:t>5/29/2020</a:t>
+              <a:t>5/30/2020</a:t>
             </a:fld>
             <a:endParaRPr lang="en-US" dirty="0"/>
           </a:p>
@@ -1373,7 +1379,7 @@
           <a:p>
             <a:fld id="{97669AF7-7BEB-44E4-9852-375E34362B5B}" type="datetime1">
               <a:rPr lang="en-US" smtClean="0"/>
-              <a:t>5/29/2020</a:t>
+              <a:t>5/30/2020</a:t>
             </a:fld>
             <a:endParaRPr lang="en-US" dirty="0"/>
           </a:p>
@@ -1628,7 +1634,7 @@
           <a:p>
             <a:fld id="{BAAAC38D-0552-4C82-B593-E6124DFADBE2}" type="datetime1">
               <a:rPr lang="en-US" smtClean="0"/>
-              <a:t>5/29/2020</a:t>
+              <a:t>5/30/2020</a:t>
             </a:fld>
             <a:endParaRPr lang="en-US" dirty="0"/>
           </a:p>
@@ -2025,7 +2031,7 @@
           <a:p>
             <a:fld id="{D9DF0F1C-5577-4ACB-BB62-DF8F3C494C7E}" type="datetime1">
               <a:rPr lang="en-US" smtClean="0"/>
-              <a:t>5/29/2020</a:t>
+              <a:t>5/30/2020</a:t>
             </a:fld>
             <a:endParaRPr lang="en-US" dirty="0"/>
           </a:p>
@@ -2161,7 +2167,7 @@
           <a:p>
             <a:fld id="{1775B394-D9F9-4F0C-B15D-605F45CB9E9F}" type="datetime1">
               <a:rPr lang="en-US" smtClean="0"/>
-              <a:t>5/29/2020</a:t>
+              <a:t>5/30/2020</a:t>
             </a:fld>
             <a:endParaRPr lang="en-US" dirty="0"/>
           </a:p>
@@ -2318,7 +2324,7 @@
           <a:p>
             <a:fld id="{39667345-2558-425A-8533-9BFDBCE15005}" type="datetime1">
               <a:rPr lang="en-US" smtClean="0"/>
-              <a:t>5/29/2020</a:t>
+              <a:t>5/30/2020</a:t>
             </a:fld>
             <a:endParaRPr lang="en-US" dirty="0"/>
           </a:p>
@@ -2647,7 +2653,7 @@
           <a:p>
             <a:fld id="{92BEA474-078D-4E9B-9B14-09A87B19DC46}" type="datetime1">
               <a:rPr lang="en-US" smtClean="0"/>
-              <a:t>5/29/2020</a:t>
+              <a:t>5/30/2020</a:t>
             </a:fld>
             <a:endParaRPr lang="en-US" dirty="0"/>
           </a:p>
@@ -2997,7 +3003,7 @@
           <a:p>
             <a:fld id="{4907D986-8816-4272-A432-0437A28A9828}" type="datetime1">
               <a:rPr lang="en-US" smtClean="0"/>
-              <a:t>5/29/2020</a:t>
+              <a:t>5/30/2020</a:t>
             </a:fld>
             <a:endParaRPr lang="en-US" dirty="0"/>
           </a:p>
@@ -3258,7 +3264,7 @@
           <a:p>
             <a:fld id="{62D6E202-B606-4609-B914-27C9371A1F6D}" type="datetime1">
               <a:rPr lang="en-US" smtClean="0"/>
-              <a:t>5/29/2020</a:t>
+              <a:t>5/30/2020</a:t>
             </a:fld>
             <a:endParaRPr lang="en-US" dirty="0"/>
           </a:p>
@@ -3789,35 +3795,6 @@
           <a:chExt cx="0" cy="0"/>
         </a:xfrm>
       </p:grpSpPr>
-      <p:pic>
-        <p:nvPicPr>
-          <p:cNvPr id="13" name="Picture 3">
-            <a:extLst>
-              <a:ext uri="{FF2B5EF4-FFF2-40B4-BE49-F238E27FC236}">
-                <a16:creationId xmlns:a16="http://schemas.microsoft.com/office/drawing/2014/main" id="{8842FD05-BC75-4006-BBB2-F24D4E9FD53F}"/>
-              </a:ext>
-            </a:extLst>
-          </p:cNvPr>
-          <p:cNvPicPr>
-            <a:picLocks noChangeAspect="1"/>
-          </p:cNvPicPr>
-          <p:nvPr/>
-        </p:nvPicPr>
-        <p:blipFill rotWithShape="1">
-          <a:blip r:embed="rId2"/>
-          <a:srcRect l="10250" r="27768"/>
-          <a:stretch/>
-        </p:blipFill>
-        <p:spPr>
-          <a:xfrm>
-            <a:off x="16" y="10"/>
-            <a:ext cx="7556889" cy="6857990"/>
-          </a:xfrm>
-          <a:prstGeom prst="rect">
-            <a:avLst/>
-          </a:prstGeom>
-        </p:spPr>
-      </p:pic>
       <p:sp>
         <p:nvSpPr>
           <p:cNvPr id="14" name="Rectangle 8">
@@ -4118,6 +4095,53 @@
           </a:fontRef>
         </p:style>
       </p:cxnSp>
+      <p:pic>
+        <p:nvPicPr>
+          <p:cNvPr id="1034" name="Picture 10">
+            <a:extLst>
+              <a:ext uri="{FF2B5EF4-FFF2-40B4-BE49-F238E27FC236}">
+                <a16:creationId xmlns:a16="http://schemas.microsoft.com/office/drawing/2014/main" id="{53F2C223-EE31-4B2A-9907-8084B33225E8}"/>
+              </a:ext>
+            </a:extLst>
+          </p:cNvPr>
+          <p:cNvPicPr>
+            <a:picLocks noChangeAspect="1" noChangeArrowheads="1"/>
+          </p:cNvPicPr>
+          <p:nvPr/>
+        </p:nvPicPr>
+        <p:blipFill>
+          <a:blip r:embed="rId2">
+            <a:extLst>
+              <a:ext uri="{28A0092B-C50C-407E-A947-70E740481C1C}">
+                <a14:useLocalDpi xmlns:a14="http://schemas.microsoft.com/office/drawing/2010/main" val="0"/>
+              </a:ext>
+            </a:extLst>
+          </a:blip>
+          <a:srcRect/>
+          <a:stretch>
+            <a:fillRect/>
+          </a:stretch>
+        </p:blipFill>
+        <p:spPr bwMode="auto">
+          <a:xfrm>
+            <a:off x="0" y="0"/>
+            <a:ext cx="7556904" cy="6858000"/>
+          </a:xfrm>
+          <a:prstGeom prst="rect">
+            <a:avLst/>
+          </a:prstGeom>
+          <a:noFill/>
+          <a:extLst>
+            <a:ext uri="{909E8E84-426E-40DD-AFC4-6F175D3DCCD1}">
+              <a14:hiddenFill xmlns:a14="http://schemas.microsoft.com/office/drawing/2010/main">
+                <a:solidFill>
+                  <a:srgbClr val="FFFFFF"/>
+                </a:solidFill>
+              </a14:hiddenFill>
+            </a:ext>
+          </a:extLst>
+        </p:spPr>
+      </p:pic>
     </p:spTree>
     <p:extLst>
       <p:ext uri="{BB962C8B-B14F-4D97-AF65-F5344CB8AC3E}">
@@ -4156,35 +4180,6 @@
           <a:chExt cx="0" cy="0"/>
         </a:xfrm>
       </p:grpSpPr>
-      <p:pic>
-        <p:nvPicPr>
-          <p:cNvPr id="13" name="Picture 3">
-            <a:extLst>
-              <a:ext uri="{FF2B5EF4-FFF2-40B4-BE49-F238E27FC236}">
-                <a16:creationId xmlns:a16="http://schemas.microsoft.com/office/drawing/2014/main" id="{8842FD05-BC75-4006-BBB2-F24D4E9FD53F}"/>
-              </a:ext>
-            </a:extLst>
-          </p:cNvPr>
-          <p:cNvPicPr>
-            <a:picLocks noChangeAspect="1"/>
-          </p:cNvPicPr>
-          <p:nvPr/>
-        </p:nvPicPr>
-        <p:blipFill rotWithShape="1">
-          <a:blip r:embed="rId2"/>
-          <a:srcRect l="10250" r="27768"/>
-          <a:stretch/>
-        </p:blipFill>
-        <p:spPr>
-          <a:xfrm>
-            <a:off x="-137968" y="-8"/>
-            <a:ext cx="7694872" cy="6857990"/>
-          </a:xfrm>
-          <a:prstGeom prst="rect">
-            <a:avLst/>
-          </a:prstGeom>
-        </p:spPr>
-      </p:pic>
       <p:sp>
         <p:nvSpPr>
           <p:cNvPr id="14" name="Rectangle 8">
@@ -4436,6 +4431,53 @@
           </a:fontRef>
         </p:style>
       </p:cxnSp>
+      <p:pic>
+        <p:nvPicPr>
+          <p:cNvPr id="7" name="Picture 4">
+            <a:extLst>
+              <a:ext uri="{FF2B5EF4-FFF2-40B4-BE49-F238E27FC236}">
+                <a16:creationId xmlns:a16="http://schemas.microsoft.com/office/drawing/2014/main" id="{BD440BBE-C0A8-408B-8853-0157EB4AF864}"/>
+              </a:ext>
+            </a:extLst>
+          </p:cNvPr>
+          <p:cNvPicPr>
+            <a:picLocks noChangeAspect="1" noChangeArrowheads="1"/>
+          </p:cNvPicPr>
+          <p:nvPr/>
+        </p:nvPicPr>
+        <p:blipFill>
+          <a:blip r:embed="rId2">
+            <a:extLst>
+              <a:ext uri="{28A0092B-C50C-407E-A947-70E740481C1C}">
+                <a14:useLocalDpi xmlns:a14="http://schemas.microsoft.com/office/drawing/2010/main" val="0"/>
+              </a:ext>
+            </a:extLst>
+          </a:blip>
+          <a:srcRect/>
+          <a:stretch>
+            <a:fillRect/>
+          </a:stretch>
+        </p:blipFill>
+        <p:spPr bwMode="auto">
+          <a:xfrm>
+            <a:off x="0" y="0"/>
+            <a:ext cx="7556904" cy="6858000"/>
+          </a:xfrm>
+          <a:prstGeom prst="rect">
+            <a:avLst/>
+          </a:prstGeom>
+          <a:noFill/>
+          <a:extLst>
+            <a:ext uri="{909E8E84-426E-40DD-AFC4-6F175D3DCCD1}">
+              <a14:hiddenFill xmlns:a14="http://schemas.microsoft.com/office/drawing/2010/main">
+                <a:solidFill>
+                  <a:srgbClr val="FFFFFF"/>
+                </a:solidFill>
+              </a14:hiddenFill>
+            </a:ext>
+          </a:extLst>
+        </p:spPr>
+      </p:pic>
     </p:spTree>
     <p:extLst>
       <p:ext uri="{BB962C8B-B14F-4D97-AF65-F5344CB8AC3E}">
@@ -4553,7 +4595,7 @@
         </p:spPr>
         <p:txBody>
           <a:bodyPr anchor="ctr">
-            <a:normAutofit fontScale="90000"/>
+            <a:normAutofit/>
           </a:bodyPr>
           <a:lstStyle/>
           <a:p>
@@ -4571,83 +4613,7 @@
                   <a:srgbClr val="FFFFFF"/>
                 </a:solidFill>
               </a:rPr>
-              <a:t>Développeur</a:t>
-            </a:r>
-            <a:br>
-              <a:rPr lang="fr-FR" sz="3600" dirty="0">
-                <a:solidFill>
-                  <a:srgbClr val="FFFFFF"/>
-                </a:solidFill>
-              </a:rPr>
-            </a:br>
-            <a:r>
-              <a:rPr lang="fr-FR" sz="3600" dirty="0">
-                <a:solidFill>
-                  <a:srgbClr val="FFFFFF"/>
-                </a:solidFill>
-              </a:rPr>
-              <a:t>Data </a:t>
-            </a:r>
-            <a:r>
-              <a:rPr lang="fr-FR" sz="3600" dirty="0" err="1">
-                <a:solidFill>
-                  <a:srgbClr val="FFFFFF"/>
-                </a:solidFill>
-              </a:rPr>
-              <a:t>Scientist</a:t>
-            </a:r>
-            <a:br>
-              <a:rPr lang="fr-FR" sz="3600" dirty="0">
-                <a:solidFill>
-                  <a:srgbClr val="FFFFFF"/>
-                </a:solidFill>
-              </a:rPr>
-            </a:br>
-            <a:r>
-              <a:rPr lang="fr-FR" sz="3600" dirty="0">
-                <a:solidFill>
-                  <a:srgbClr val="FFFFFF"/>
-                </a:solidFill>
-              </a:rPr>
-              <a:t>Data Ingénierie</a:t>
-            </a:r>
-            <a:br>
-              <a:rPr lang="fr-FR" sz="3600" dirty="0">
-                <a:solidFill>
-                  <a:srgbClr val="FFFFFF"/>
-                </a:solidFill>
-              </a:rPr>
-            </a:br>
-            <a:r>
-              <a:rPr lang="fr-FR" sz="3600" dirty="0">
-                <a:solidFill>
-                  <a:srgbClr val="FFFFFF"/>
-                </a:solidFill>
-              </a:rPr>
-              <a:t>Data </a:t>
-            </a:r>
-            <a:r>
-              <a:rPr lang="fr-FR" sz="3600" dirty="0" err="1">
-                <a:solidFill>
-                  <a:srgbClr val="FFFFFF"/>
-                </a:solidFill>
-              </a:rPr>
-              <a:t>Analyst</a:t>
-            </a:r>
-            <a:br>
-              <a:rPr lang="fr-FR" sz="3600" dirty="0">
-                <a:solidFill>
-                  <a:srgbClr val="FFFFFF"/>
-                </a:solidFill>
-              </a:rPr>
-            </a:br>
-            <a:r>
-              <a:rPr lang="fr-FR" sz="3600" dirty="0">
-                <a:solidFill>
-                  <a:srgbClr val="FFFFFF"/>
-                </a:solidFill>
-              </a:rPr>
-              <a:t>Freelance</a:t>
+              <a:t>Et l’expérience dans tout ça ?</a:t>
             </a:r>
             <a:br>
               <a:rPr lang="fr-FR" sz="2400" dirty="0">
@@ -4717,7 +4683,7 @@
                   <a:srgbClr val="FFFFFF"/>
                 </a:solidFill>
               </a:rPr>
-              <a:t>Qu’elles profilent recherché dans la description ?</a:t>
+              <a:t>Qu’elles sont les années les plus demandées ?</a:t>
             </a:r>
           </a:p>
         </p:txBody>
@@ -4776,10 +4742,10 @@
       </p:cxnSp>
       <p:pic>
         <p:nvPicPr>
-          <p:cNvPr id="1028" name="Picture 4">
-            <a:extLst>
-              <a:ext uri="{FF2B5EF4-FFF2-40B4-BE49-F238E27FC236}">
-                <a16:creationId xmlns:a16="http://schemas.microsoft.com/office/drawing/2014/main" id="{C1FD8994-C02D-417F-8679-0279F1396182}"/>
+          <p:cNvPr id="2050" name="Picture 2">
+            <a:extLst>
+              <a:ext uri="{FF2B5EF4-FFF2-40B4-BE49-F238E27FC236}">
+                <a16:creationId xmlns:a16="http://schemas.microsoft.com/office/drawing/2014/main" id="{281DDEC0-782B-4E70-B2C1-FA66BB1AAC58}"/>
               </a:ext>
             </a:extLst>
           </p:cNvPr>
@@ -4804,7 +4770,7 @@
         <p:spPr bwMode="auto">
           <a:xfrm>
             <a:off x="0" y="0"/>
-            <a:ext cx="7556904" cy="6858000"/>
+            <a:ext cx="7556904" cy="6857999"/>
           </a:xfrm>
           <a:prstGeom prst="rect">
             <a:avLst/>
@@ -4824,7 +4790,7 @@
     </p:spTree>
     <p:extLst>
       <p:ext uri="{BB962C8B-B14F-4D97-AF65-F5344CB8AC3E}">
-        <p14:creationId xmlns:p14="http://schemas.microsoft.com/office/powerpoint/2010/main" val="1915130879"/>
+        <p14:creationId xmlns:p14="http://schemas.microsoft.com/office/powerpoint/2010/main" val="3816067248"/>
       </p:ext>
     </p:extLst>
   </p:cSld>
@@ -4859,35 +4825,6 @@
           <a:chExt cx="0" cy="0"/>
         </a:xfrm>
       </p:grpSpPr>
-      <p:pic>
-        <p:nvPicPr>
-          <p:cNvPr id="13" name="Picture 3">
-            <a:extLst>
-              <a:ext uri="{FF2B5EF4-FFF2-40B4-BE49-F238E27FC236}">
-                <a16:creationId xmlns:a16="http://schemas.microsoft.com/office/drawing/2014/main" id="{8842FD05-BC75-4006-BBB2-F24D4E9FD53F}"/>
-              </a:ext>
-            </a:extLst>
-          </p:cNvPr>
-          <p:cNvPicPr>
-            <a:picLocks noChangeAspect="1"/>
-          </p:cNvPicPr>
-          <p:nvPr/>
-        </p:nvPicPr>
-        <p:blipFill rotWithShape="1">
-          <a:blip r:embed="rId2"/>
-          <a:srcRect l="10250" r="27768"/>
-          <a:stretch/>
-        </p:blipFill>
-        <p:spPr>
-          <a:xfrm>
-            <a:off x="16" y="10"/>
-            <a:ext cx="7556889" cy="6857990"/>
-          </a:xfrm>
-          <a:prstGeom prst="rect">
-            <a:avLst/>
-          </a:prstGeom>
-        </p:spPr>
-      </p:pic>
       <p:sp>
         <p:nvSpPr>
           <p:cNvPr id="14" name="Rectangle 8">
@@ -4967,7 +4904,7 @@
         </p:spPr>
         <p:txBody>
           <a:bodyPr anchor="ctr">
-            <a:normAutofit/>
+            <a:normAutofit fontScale="90000"/>
           </a:bodyPr>
           <a:lstStyle/>
           <a:p>
@@ -4985,7 +4922,83 @@
                   <a:srgbClr val="FFFFFF"/>
                 </a:solidFill>
               </a:rPr>
-              <a:t>Et l’expérience dans tout ça ?</a:t>
+              <a:t>Développeur</a:t>
+            </a:r>
+            <a:br>
+              <a:rPr lang="fr-FR" sz="3600" dirty="0">
+                <a:solidFill>
+                  <a:srgbClr val="FFFFFF"/>
+                </a:solidFill>
+              </a:rPr>
+            </a:br>
+            <a:r>
+              <a:rPr lang="fr-FR" sz="3600" dirty="0">
+                <a:solidFill>
+                  <a:srgbClr val="FFFFFF"/>
+                </a:solidFill>
+              </a:rPr>
+              <a:t>Data </a:t>
+            </a:r>
+            <a:r>
+              <a:rPr lang="fr-FR" sz="3600" dirty="0" err="1">
+                <a:solidFill>
+                  <a:srgbClr val="FFFFFF"/>
+                </a:solidFill>
+              </a:rPr>
+              <a:t>Scientist</a:t>
+            </a:r>
+            <a:br>
+              <a:rPr lang="fr-FR" sz="3600" dirty="0">
+                <a:solidFill>
+                  <a:srgbClr val="FFFFFF"/>
+                </a:solidFill>
+              </a:rPr>
+            </a:br>
+            <a:r>
+              <a:rPr lang="fr-FR" sz="3600" dirty="0">
+                <a:solidFill>
+                  <a:srgbClr val="FFFFFF"/>
+                </a:solidFill>
+              </a:rPr>
+              <a:t>Data Ingénierie</a:t>
+            </a:r>
+            <a:br>
+              <a:rPr lang="fr-FR" sz="3600" dirty="0">
+                <a:solidFill>
+                  <a:srgbClr val="FFFFFF"/>
+                </a:solidFill>
+              </a:rPr>
+            </a:br>
+            <a:r>
+              <a:rPr lang="fr-FR" sz="3600" dirty="0">
+                <a:solidFill>
+                  <a:srgbClr val="FFFFFF"/>
+                </a:solidFill>
+              </a:rPr>
+              <a:t>Data </a:t>
+            </a:r>
+            <a:r>
+              <a:rPr lang="fr-FR" sz="3600" dirty="0" err="1">
+                <a:solidFill>
+                  <a:srgbClr val="FFFFFF"/>
+                </a:solidFill>
+              </a:rPr>
+              <a:t>Analyst</a:t>
+            </a:r>
+            <a:br>
+              <a:rPr lang="fr-FR" sz="3600" dirty="0">
+                <a:solidFill>
+                  <a:srgbClr val="FFFFFF"/>
+                </a:solidFill>
+              </a:rPr>
+            </a:br>
+            <a:r>
+              <a:rPr lang="fr-FR" sz="3600" dirty="0">
+                <a:solidFill>
+                  <a:srgbClr val="FFFFFF"/>
+                </a:solidFill>
+              </a:rPr>
+              <a:t>Freelance</a:t>
             </a:r>
             <a:br>
               <a:rPr lang="fr-FR" sz="2400" dirty="0">
@@ -5055,7 +5068,7 @@
                   <a:srgbClr val="FFFFFF"/>
                 </a:solidFill>
               </a:rPr>
-              <a:t>Qu’elles sont les années les plus demandées ?</a:t>
+              <a:t>Qu’elles profilent recherché dans la description ?</a:t>
             </a:r>
           </a:p>
         </p:txBody>
@@ -5112,10 +5125,57 @@
           </a:fontRef>
         </p:style>
       </p:cxnSp>
+      <p:pic>
+        <p:nvPicPr>
+          <p:cNvPr id="1028" name="Picture 4">
+            <a:extLst>
+              <a:ext uri="{FF2B5EF4-FFF2-40B4-BE49-F238E27FC236}">
+                <a16:creationId xmlns:a16="http://schemas.microsoft.com/office/drawing/2014/main" id="{C1FD8994-C02D-417F-8679-0279F1396182}"/>
+              </a:ext>
+            </a:extLst>
+          </p:cNvPr>
+          <p:cNvPicPr>
+            <a:picLocks noChangeAspect="1" noChangeArrowheads="1"/>
+          </p:cNvPicPr>
+          <p:nvPr/>
+        </p:nvPicPr>
+        <p:blipFill>
+          <a:blip r:embed="rId2">
+            <a:extLst>
+              <a:ext uri="{28A0092B-C50C-407E-A947-70E740481C1C}">
+                <a14:useLocalDpi xmlns:a14="http://schemas.microsoft.com/office/drawing/2010/main" val="0"/>
+              </a:ext>
+            </a:extLst>
+          </a:blip>
+          <a:srcRect/>
+          <a:stretch>
+            <a:fillRect/>
+          </a:stretch>
+        </p:blipFill>
+        <p:spPr bwMode="auto">
+          <a:xfrm>
+            <a:off x="0" y="0"/>
+            <a:ext cx="7556904" cy="6858000"/>
+          </a:xfrm>
+          <a:prstGeom prst="rect">
+            <a:avLst/>
+          </a:prstGeom>
+          <a:noFill/>
+          <a:extLst>
+            <a:ext uri="{909E8E84-426E-40DD-AFC4-6F175D3DCCD1}">
+              <a14:hiddenFill xmlns:a14="http://schemas.microsoft.com/office/drawing/2010/main">
+                <a:solidFill>
+                  <a:srgbClr val="FFFFFF"/>
+                </a:solidFill>
+              </a14:hiddenFill>
+            </a:ext>
+          </a:extLst>
+        </p:spPr>
+      </p:pic>
     </p:spTree>
     <p:extLst>
       <p:ext uri="{BB962C8B-B14F-4D97-AF65-F5344CB8AC3E}">
-        <p14:creationId xmlns:p14="http://schemas.microsoft.com/office/powerpoint/2010/main" val="3816067248"/>
+        <p14:creationId xmlns:p14="http://schemas.microsoft.com/office/powerpoint/2010/main" val="1915130879"/>
       </p:ext>
     </p:extLst>
   </p:cSld>
@@ -5150,6 +5210,390 @@
           <a:chExt cx="0" cy="0"/>
         </a:xfrm>
       </p:grpSpPr>
+      <p:sp>
+        <p:nvSpPr>
+          <p:cNvPr id="14" name="Rectangle 8">
+            <a:extLst>
+              <a:ext uri="{FF2B5EF4-FFF2-40B4-BE49-F238E27FC236}">
+                <a16:creationId xmlns:a16="http://schemas.microsoft.com/office/drawing/2014/main" id="{6482F060-A4AF-4E0B-B364-7C6BA4AE9C03}"/>
+              </a:ext>
+              <a:ext uri="{C183D7F6-B498-43B3-948B-1728B52AA6E4}">
+                <adec:decorative xmlns:adec="http://schemas.microsoft.com/office/drawing/2017/decorative" val="1"/>
+              </a:ext>
+            </a:extLst>
+          </p:cNvPr>
+          <p:cNvSpPr>
+            <a:spLocks noGrp="1" noRot="1" noChangeAspect="1" noMove="1" noResize="1" noEditPoints="1" noAdjustHandles="1" noChangeArrowheads="1" noChangeShapeType="1" noTextEdit="1"/>
+          </p:cNvSpPr>
+          <p:nvPr>
+            <p:extLst>
+              <p:ext uri="{386F3935-93C4-4BCD-93E2-E3B085C9AB24}">
+                <p16:designElem xmlns:p16="http://schemas.microsoft.com/office/powerpoint/2015/main" val="1"/>
+              </p:ext>
+            </p:extLst>
+          </p:nvPr>
+        </p:nvSpPr>
+        <p:spPr bwMode="white">
+          <a:xfrm>
+            <a:off x="7556905" y="0"/>
+            <a:ext cx="4641315" cy="6858000"/>
+          </a:xfrm>
+          <a:prstGeom prst="rect">
+            <a:avLst/>
+          </a:prstGeom>
+          <a:solidFill>
+            <a:srgbClr val="262626"/>
+          </a:solidFill>
+          <a:ln>
+            <a:noFill/>
+          </a:ln>
+        </p:spPr>
+        <p:style>
+          <a:lnRef idx="2">
+            <a:schemeClr val="accent1">
+              <a:shade val="50000"/>
+            </a:schemeClr>
+          </a:lnRef>
+          <a:fillRef idx="1">
+            <a:schemeClr val="accent1"/>
+          </a:fillRef>
+          <a:effectRef idx="0">
+            <a:schemeClr val="accent1"/>
+          </a:effectRef>
+          <a:fontRef idx="minor">
+            <a:schemeClr val="lt1"/>
+          </a:fontRef>
+        </p:style>
+      </p:sp>
+      <p:sp>
+        <p:nvSpPr>
+          <p:cNvPr id="2" name="Titre 1">
+            <a:extLst>
+              <a:ext uri="{FF2B5EF4-FFF2-40B4-BE49-F238E27FC236}">
+                <a16:creationId xmlns:a16="http://schemas.microsoft.com/office/drawing/2014/main" id="{13392CF9-E417-4B15-ACA8-674E3C4C400C}"/>
+              </a:ext>
+            </a:extLst>
+          </p:cNvPr>
+          <p:cNvSpPr>
+            <a:spLocks noGrp="1"/>
+          </p:cNvSpPr>
+          <p:nvPr>
+            <p:ph type="ctrTitle"/>
+          </p:nvPr>
+        </p:nvSpPr>
+        <p:spPr>
+          <a:xfrm>
+            <a:off x="8047939" y="640080"/>
+            <a:ext cx="3659246" cy="2788907"/>
+          </a:xfrm>
+        </p:spPr>
+        <p:txBody>
+          <a:bodyPr anchor="ctr">
+            <a:normAutofit fontScale="90000"/>
+          </a:bodyPr>
+          <a:lstStyle/>
+          <a:p>
+            <a:pPr algn="ctr"/>
+            <a:br>
+              <a:rPr lang="fr-FR" sz="3600" dirty="0">
+                <a:solidFill>
+                  <a:srgbClr val="FFFFFF"/>
+                </a:solidFill>
+              </a:rPr>
+            </a:br>
+            <a:r>
+              <a:rPr lang="fr-FR" sz="3600" dirty="0" err="1">
+                <a:solidFill>
+                  <a:srgbClr val="FFFFFF"/>
+                </a:solidFill>
+              </a:rPr>
+              <a:t>linéarSVC</a:t>
+            </a:r>
+            <a:br>
+              <a:rPr lang="fr-FR" sz="3600" dirty="0">
+                <a:solidFill>
+                  <a:srgbClr val="FFFFFF"/>
+                </a:solidFill>
+              </a:rPr>
+            </a:br>
+            <a:r>
+              <a:rPr lang="fr-FR" sz="3600" dirty="0" err="1">
+                <a:solidFill>
+                  <a:srgbClr val="FFFFFF"/>
+                </a:solidFill>
+              </a:rPr>
+              <a:t>LogisticRegression</a:t>
+            </a:r>
+            <a:br>
+              <a:rPr lang="fr-FR" sz="3600" dirty="0">
+                <a:solidFill>
+                  <a:srgbClr val="FFFFFF"/>
+                </a:solidFill>
+              </a:rPr>
+            </a:br>
+            <a:r>
+              <a:rPr lang="fr-FR" sz="3600" dirty="0" err="1">
+                <a:solidFill>
+                  <a:srgbClr val="FFFFFF"/>
+                </a:solidFill>
+              </a:rPr>
+              <a:t>RidgeClassifierCV</a:t>
+            </a:r>
+            <a:br>
+              <a:rPr lang="fr-FR" sz="3600" dirty="0">
+                <a:solidFill>
+                  <a:srgbClr val="FFFFFF"/>
+                </a:solidFill>
+              </a:rPr>
+            </a:br>
+            <a:r>
+              <a:rPr lang="fr-FR" sz="3600" dirty="0" err="1">
+                <a:solidFill>
+                  <a:srgbClr val="FFFFFF"/>
+                </a:solidFill>
+              </a:rPr>
+              <a:t>ExtraTreeClassifier</a:t>
+            </a:r>
+            <a:br>
+              <a:rPr lang="fr-FR" sz="2400" dirty="0">
+                <a:solidFill>
+                  <a:srgbClr val="FFFFFF"/>
+                </a:solidFill>
+              </a:rPr>
+            </a:br>
+            <a:br>
+              <a:rPr lang="fr-FR" sz="2400" dirty="0">
+                <a:solidFill>
+                  <a:srgbClr val="FFFFFF"/>
+                </a:solidFill>
+              </a:rPr>
+            </a:br>
+            <a:r>
+              <a:rPr lang="fr-FR" sz="2400" dirty="0">
+                <a:solidFill>
+                  <a:srgbClr val="FFFFFF"/>
+                </a:solidFill>
+              </a:rPr>
+              <a:t> </a:t>
+            </a:r>
+          </a:p>
+        </p:txBody>
+      </p:sp>
+      <p:sp>
+        <p:nvSpPr>
+          <p:cNvPr id="3" name="Sous-titre 2">
+            <a:extLst>
+              <a:ext uri="{FF2B5EF4-FFF2-40B4-BE49-F238E27FC236}">
+                <a16:creationId xmlns:a16="http://schemas.microsoft.com/office/drawing/2014/main" id="{F7838F0E-DE40-459E-B807-D4598520B92F}"/>
+              </a:ext>
+            </a:extLst>
+          </p:cNvPr>
+          <p:cNvSpPr>
+            <a:spLocks noGrp="1"/>
+          </p:cNvSpPr>
+          <p:nvPr>
+            <p:ph type="subTitle" idx="1"/>
+          </p:nvPr>
+        </p:nvSpPr>
+        <p:spPr>
+          <a:xfrm>
+            <a:off x="8047939" y="3812135"/>
+            <a:ext cx="3659246" cy="1596655"/>
+          </a:xfrm>
+        </p:spPr>
+        <p:txBody>
+          <a:bodyPr anchor="ctr">
+            <a:normAutofit/>
+          </a:bodyPr>
+          <a:lstStyle/>
+          <a:p>
+            <a:pPr algn="ctr"/>
+            <a:endParaRPr lang="fr-FR" sz="1800" dirty="0">
+              <a:solidFill>
+                <a:srgbClr val="FFFFFF"/>
+              </a:solidFill>
+            </a:endParaRPr>
+          </a:p>
+          <a:p>
+            <a:pPr algn="ctr"/>
+            <a:r>
+              <a:rPr lang="fr-FR" sz="1800" dirty="0">
+                <a:solidFill>
+                  <a:srgbClr val="FFFFFF"/>
+                </a:solidFill>
+              </a:rPr>
+              <a:t>Qu’elles modèles allons nous choisir ?</a:t>
+            </a:r>
+          </a:p>
+        </p:txBody>
+      </p:sp>
+      <p:cxnSp>
+        <p:nvCxnSpPr>
+          <p:cNvPr id="15" name="Straight Connector 10">
+            <a:extLst>
+              <a:ext uri="{FF2B5EF4-FFF2-40B4-BE49-F238E27FC236}">
+                <a16:creationId xmlns:a16="http://schemas.microsoft.com/office/drawing/2014/main" id="{B9EB6DAA-2F0C-43D5-A577-15D5D2C4E3F5}"/>
+              </a:ext>
+              <a:ext uri="{C183D7F6-B498-43B3-948B-1728B52AA6E4}">
+                <adec:decorative xmlns:adec="http://schemas.microsoft.com/office/drawing/2017/decorative" val="1"/>
+              </a:ext>
+            </a:extLst>
+          </p:cNvPr>
+          <p:cNvCxnSpPr>
+            <a:cxnSpLocks noGrp="1" noRot="1" noChangeAspect="1" noMove="1" noResize="1" noEditPoints="1" noAdjustHandles="1" noChangeArrowheads="1" noChangeShapeType="1"/>
+          </p:cNvCxnSpPr>
+          <p:nvPr>
+            <p:extLst>
+              <p:ext uri="{386F3935-93C4-4BCD-93E2-E3B085C9AB24}">
+                <p16:designElem xmlns:p16="http://schemas.microsoft.com/office/powerpoint/2015/main" val="1"/>
+              </p:ext>
+            </p:extLst>
+          </p:nvPr>
+        </p:nvCxnSpPr>
+        <p:spPr>
+          <a:xfrm>
+            <a:off x="8185922" y="3651268"/>
+            <a:ext cx="3383280" cy="0"/>
+          </a:xfrm>
+          <a:prstGeom prst="line">
+            <a:avLst/>
+          </a:prstGeom>
+          <a:ln w="19050">
+            <a:solidFill>
+              <a:schemeClr val="accent1"/>
+            </a:solidFill>
+          </a:ln>
+        </p:spPr>
+        <p:style>
+          <a:lnRef idx="1">
+            <a:schemeClr val="accent1"/>
+          </a:lnRef>
+          <a:fillRef idx="0">
+            <a:schemeClr val="accent1"/>
+          </a:fillRef>
+          <a:effectRef idx="0">
+            <a:schemeClr val="accent1"/>
+          </a:effectRef>
+          <a:fontRef idx="minor">
+            <a:schemeClr val="tx1"/>
+          </a:fontRef>
+        </p:style>
+      </p:cxnSp>
+      <p:pic>
+        <p:nvPicPr>
+          <p:cNvPr id="4" name="Image 3">
+            <a:extLst>
+              <a:ext uri="{FF2B5EF4-FFF2-40B4-BE49-F238E27FC236}">
+                <a16:creationId xmlns:a16="http://schemas.microsoft.com/office/drawing/2014/main" id="{DAEF0136-4624-4D52-A970-632953D1B5B2}"/>
+              </a:ext>
+            </a:extLst>
+          </p:cNvPr>
+          <p:cNvPicPr>
+            <a:picLocks noChangeAspect="1"/>
+          </p:cNvPicPr>
+          <p:nvPr/>
+        </p:nvPicPr>
+        <p:blipFill>
+          <a:blip r:embed="rId2"/>
+          <a:stretch>
+            <a:fillRect/>
+          </a:stretch>
+        </p:blipFill>
+        <p:spPr>
+          <a:xfrm>
+            <a:off x="0" y="0"/>
+            <a:ext cx="7556903" cy="3390900"/>
+          </a:xfrm>
+          <a:prstGeom prst="rect">
+            <a:avLst/>
+          </a:prstGeom>
+        </p:spPr>
+      </p:pic>
+      <p:pic>
+        <p:nvPicPr>
+          <p:cNvPr id="4098" name="Picture 2">
+            <a:extLst>
+              <a:ext uri="{FF2B5EF4-FFF2-40B4-BE49-F238E27FC236}">
+                <a16:creationId xmlns:a16="http://schemas.microsoft.com/office/drawing/2014/main" id="{31555A79-0419-4679-8D75-62B4C0EF2222}"/>
+              </a:ext>
+            </a:extLst>
+          </p:cNvPr>
+          <p:cNvPicPr>
+            <a:picLocks noChangeAspect="1" noChangeArrowheads="1"/>
+          </p:cNvPicPr>
+          <p:nvPr/>
+        </p:nvPicPr>
+        <p:blipFill>
+          <a:blip r:embed="rId3">
+            <a:extLst>
+              <a:ext uri="{28A0092B-C50C-407E-A947-70E740481C1C}">
+                <a14:useLocalDpi xmlns:a14="http://schemas.microsoft.com/office/drawing/2010/main" val="0"/>
+              </a:ext>
+            </a:extLst>
+          </a:blip>
+          <a:srcRect/>
+          <a:stretch>
+            <a:fillRect/>
+          </a:stretch>
+        </p:blipFill>
+        <p:spPr bwMode="auto">
+          <a:xfrm>
+            <a:off x="0" y="3323858"/>
+            <a:ext cx="7556903" cy="3534142"/>
+          </a:xfrm>
+          <a:prstGeom prst="rect">
+            <a:avLst/>
+          </a:prstGeom>
+          <a:noFill/>
+          <a:extLst>
+            <a:ext uri="{909E8E84-426E-40DD-AFC4-6F175D3DCCD1}">
+              <a14:hiddenFill xmlns:a14="http://schemas.microsoft.com/office/drawing/2010/main">
+                <a:solidFill>
+                  <a:srgbClr val="FFFFFF"/>
+                </a:solidFill>
+              </a14:hiddenFill>
+            </a:ext>
+          </a:extLst>
+        </p:spPr>
+      </p:pic>
+    </p:spTree>
+    <p:extLst>
+      <p:ext uri="{BB962C8B-B14F-4D97-AF65-F5344CB8AC3E}">
+        <p14:creationId xmlns:p14="http://schemas.microsoft.com/office/powerpoint/2010/main" val="1588984051"/>
+      </p:ext>
+    </p:extLst>
+  </p:cSld>
+  <p:clrMapOvr>
+    <a:overrideClrMapping bg1="dk1" tx1="lt1" bg2="dk2" tx2="lt2" accent1="accent1" accent2="accent2" accent3="accent3" accent4="accent4" accent5="accent5" accent6="accent6" hlink="hlink" folHlink="folHlink"/>
+  </p:clrMapOvr>
+</p:sld>
+</file>
+
+<file path=ppt/slides/slide6.xml><?xml version="1.0" encoding="utf-8"?>
+<p:sld xmlns:a="http://schemas.openxmlformats.org/drawingml/2006/main" xmlns:r="http://schemas.openxmlformats.org/officeDocument/2006/relationships" xmlns:p="http://schemas.openxmlformats.org/presentationml/2006/main">
+  <p:cSld>
+    <p:bg>
+      <p:bgPr>
+        <a:solidFill>
+          <a:schemeClr val="bg1"/>
+        </a:solidFill>
+        <a:effectLst/>
+      </p:bgPr>
+    </p:bg>
+    <p:spTree>
+      <p:nvGrpSpPr>
+        <p:cNvPr id="1" name=""/>
+        <p:cNvGrpSpPr/>
+        <p:nvPr/>
+      </p:nvGrpSpPr>
+      <p:grpSpPr>
+        <a:xfrm>
+          <a:off x="0" y="0"/>
+          <a:ext cx="0" cy="0"/>
+          <a:chOff x="0" y="0"/>
+          <a:chExt cx="0" cy="0"/>
+        </a:xfrm>
+      </p:grpSpPr>
       <p:pic>
         <p:nvPicPr>
           <p:cNvPr id="13" name="Picture 3">
@@ -5462,7 +5906,7 @@
     </p:spTree>
     <p:extLst>
       <p:ext uri="{BB962C8B-B14F-4D97-AF65-F5344CB8AC3E}">
-        <p14:creationId xmlns:p14="http://schemas.microsoft.com/office/powerpoint/2010/main" val="1588984051"/>
+        <p14:creationId xmlns:p14="http://schemas.microsoft.com/office/powerpoint/2010/main" val="1786903515"/>
       </p:ext>
     </p:extLst>
   </p:cSld>
@@ -5472,7 +5916,7 @@
 </p:sld>
 </file>
 
-<file path=ppt/slides/slide6.xml><?xml version="1.0" encoding="utf-8"?>
+<file path=ppt/slides/slide7.xml><?xml version="1.0" encoding="utf-8"?>
 <p:sld xmlns:a="http://schemas.openxmlformats.org/drawingml/2006/main" xmlns:r="http://schemas.openxmlformats.org/officeDocument/2006/relationships" xmlns:p="http://schemas.openxmlformats.org/presentationml/2006/main">
   <p:cSld>
     <p:spTree>
